--- a/doc/mockups/features-screenshots/feature3-createEval.pptx
+++ b/doc/mockups/features-screenshots/feature3-createEval.pptx
@@ -4,6 +4,9 @@
   <p:sldMasterIdLst>
     <p:sldMasterId id="2147483648" r:id="rId1"/>
   </p:sldMasterIdLst>
+  <p:notesMasterIdLst>
+    <p:notesMasterId r:id="rId3"/>
+  </p:notesMasterIdLst>
   <p:sldIdLst>
     <p:sldId id="262" r:id="rId2"/>
   </p:sldIdLst>
@@ -124,6 +127,434 @@
     <p:text>copy these clipart directly from the other PPT file. If you copy them as screenshots, they get pixelated.</p:text>
   </p:cm>
 </p:cmLst>
+</file>
+
+<file path=ppt/notesMasters/notesMaster1.xml><?xml version="1.0" encoding="utf-8"?>
+<p:notesMaster xmlns:a="http://schemas.openxmlformats.org/drawingml/2006/main" xmlns:r="http://schemas.openxmlformats.org/officeDocument/2006/relationships" xmlns:p="http://schemas.openxmlformats.org/presentationml/2006/main">
+  <p:cSld>
+    <p:bg>
+      <p:bgRef idx="1001">
+        <a:schemeClr val="bg1"/>
+      </p:bgRef>
+    </p:bg>
+    <p:spTree>
+      <p:nvGrpSpPr>
+        <p:cNvPr id="1" name=""/>
+        <p:cNvGrpSpPr/>
+        <p:nvPr/>
+      </p:nvGrpSpPr>
+      <p:grpSpPr>
+        <a:xfrm>
+          <a:off x="0" y="0"/>
+          <a:ext cx="0" cy="0"/>
+          <a:chOff x="0" y="0"/>
+          <a:chExt cx="0" cy="0"/>
+        </a:xfrm>
+      </p:grpSpPr>
+      <p:sp>
+        <p:nvSpPr>
+          <p:cNvPr id="2" name="Header Placeholder 1"/>
+          <p:cNvSpPr>
+            <a:spLocks noGrp="1"/>
+          </p:cNvSpPr>
+          <p:nvPr>
+            <p:ph type="hdr" sz="quarter"/>
+          </p:nvPr>
+        </p:nvSpPr>
+        <p:spPr>
+          <a:xfrm>
+            <a:off x="0" y="0"/>
+            <a:ext cx="2971800" cy="457200"/>
+          </a:xfrm>
+          <a:prstGeom prst="rect">
+            <a:avLst/>
+          </a:prstGeom>
+        </p:spPr>
+        <p:txBody>
+          <a:bodyPr vert="horz" lIns="91440" tIns="45720" rIns="91440" bIns="45720" rtlCol="0"/>
+          <a:lstStyle>
+            <a:lvl1pPr algn="l">
+              <a:defRPr sz="1200"/>
+            </a:lvl1pPr>
+          </a:lstStyle>
+          <a:p>
+            <a:endParaRPr lang="en-SG"/>
+          </a:p>
+        </p:txBody>
+      </p:sp>
+      <p:sp>
+        <p:nvSpPr>
+          <p:cNvPr id="3" name="Date Placeholder 2"/>
+          <p:cNvSpPr>
+            <a:spLocks noGrp="1"/>
+          </p:cNvSpPr>
+          <p:nvPr>
+            <p:ph type="dt" idx="1"/>
+          </p:nvPr>
+        </p:nvSpPr>
+        <p:spPr>
+          <a:xfrm>
+            <a:off x="3884613" y="0"/>
+            <a:ext cx="2971800" cy="457200"/>
+          </a:xfrm>
+          <a:prstGeom prst="rect">
+            <a:avLst/>
+          </a:prstGeom>
+        </p:spPr>
+        <p:txBody>
+          <a:bodyPr vert="horz" lIns="91440" tIns="45720" rIns="91440" bIns="45720" rtlCol="0"/>
+          <a:lstStyle>
+            <a:lvl1pPr algn="r">
+              <a:defRPr sz="1200"/>
+            </a:lvl1pPr>
+          </a:lstStyle>
+          <a:p>
+            <a:fld id="{EAF9FAEA-64EF-4413-A2DA-12DBF9C0B08C}" type="datetimeFigureOut">
+              <a:rPr lang="en-SG" smtClean="0"/>
+              <a:t>1/8/2012</a:t>
+            </a:fld>
+            <a:endParaRPr lang="en-SG"/>
+          </a:p>
+        </p:txBody>
+      </p:sp>
+      <p:sp>
+        <p:nvSpPr>
+          <p:cNvPr id="4" name="Slide Image Placeholder 3"/>
+          <p:cNvSpPr>
+            <a:spLocks noGrp="1" noRot="1" noChangeAspect="1"/>
+          </p:cNvSpPr>
+          <p:nvPr>
+            <p:ph type="sldImg" idx="2"/>
+          </p:nvPr>
+        </p:nvSpPr>
+        <p:spPr>
+          <a:xfrm>
+            <a:off x="-1285875" y="685800"/>
+            <a:ext cx="9429750" cy="3429000"/>
+          </a:xfrm>
+          <a:prstGeom prst="rect">
+            <a:avLst/>
+          </a:prstGeom>
+          <a:noFill/>
+          <a:ln w="12700">
+            <a:solidFill>
+              <a:prstClr val="black"/>
+            </a:solidFill>
+          </a:ln>
+        </p:spPr>
+        <p:txBody>
+          <a:bodyPr vert="horz" lIns="91440" tIns="45720" rIns="91440" bIns="45720" rtlCol="0" anchor="ctr"/>
+          <a:lstStyle/>
+          <a:p>
+            <a:endParaRPr lang="en-SG"/>
+          </a:p>
+        </p:txBody>
+      </p:sp>
+      <p:sp>
+        <p:nvSpPr>
+          <p:cNvPr id="5" name="Notes Placeholder 4"/>
+          <p:cNvSpPr>
+            <a:spLocks noGrp="1"/>
+          </p:cNvSpPr>
+          <p:nvPr>
+            <p:ph type="body" sz="quarter" idx="3"/>
+          </p:nvPr>
+        </p:nvSpPr>
+        <p:spPr>
+          <a:xfrm>
+            <a:off x="685800" y="4343400"/>
+            <a:ext cx="5486400" cy="4114800"/>
+          </a:xfrm>
+          <a:prstGeom prst="rect">
+            <a:avLst/>
+          </a:prstGeom>
+        </p:spPr>
+        <p:txBody>
+          <a:bodyPr vert="horz" lIns="91440" tIns="45720" rIns="91440" bIns="45720" rtlCol="0">
+            <a:normAutofit/>
+          </a:bodyPr>
+          <a:lstStyle/>
+          <a:p>
+            <a:pPr lvl="0"/>
+            <a:r>
+              <a:rPr lang="en-US" smtClean="0"/>
+              <a:t>Click to edit Master text styles</a:t>
+            </a:r>
+          </a:p>
+          <a:p>
+            <a:pPr lvl="1"/>
+            <a:r>
+              <a:rPr lang="en-US" smtClean="0"/>
+              <a:t>Second level</a:t>
+            </a:r>
+          </a:p>
+          <a:p>
+            <a:pPr lvl="2"/>
+            <a:r>
+              <a:rPr lang="en-US" smtClean="0"/>
+              <a:t>Third level</a:t>
+            </a:r>
+          </a:p>
+          <a:p>
+            <a:pPr lvl="3"/>
+            <a:r>
+              <a:rPr lang="en-US" smtClean="0"/>
+              <a:t>Fourth level</a:t>
+            </a:r>
+          </a:p>
+          <a:p>
+            <a:pPr lvl="4"/>
+            <a:r>
+              <a:rPr lang="en-US" smtClean="0"/>
+              <a:t>Fifth level</a:t>
+            </a:r>
+            <a:endParaRPr lang="en-SG"/>
+          </a:p>
+        </p:txBody>
+      </p:sp>
+      <p:sp>
+        <p:nvSpPr>
+          <p:cNvPr id="6" name="Footer Placeholder 5"/>
+          <p:cNvSpPr>
+            <a:spLocks noGrp="1"/>
+          </p:cNvSpPr>
+          <p:nvPr>
+            <p:ph type="ftr" sz="quarter" idx="4"/>
+          </p:nvPr>
+        </p:nvSpPr>
+        <p:spPr>
+          <a:xfrm>
+            <a:off x="0" y="8685213"/>
+            <a:ext cx="2971800" cy="457200"/>
+          </a:xfrm>
+          <a:prstGeom prst="rect">
+            <a:avLst/>
+          </a:prstGeom>
+        </p:spPr>
+        <p:txBody>
+          <a:bodyPr vert="horz" lIns="91440" tIns="45720" rIns="91440" bIns="45720" rtlCol="0" anchor="b"/>
+          <a:lstStyle>
+            <a:lvl1pPr algn="l">
+              <a:defRPr sz="1200"/>
+            </a:lvl1pPr>
+          </a:lstStyle>
+          <a:p>
+            <a:endParaRPr lang="en-SG"/>
+          </a:p>
+        </p:txBody>
+      </p:sp>
+      <p:sp>
+        <p:nvSpPr>
+          <p:cNvPr id="7" name="Slide Number Placeholder 6"/>
+          <p:cNvSpPr>
+            <a:spLocks noGrp="1"/>
+          </p:cNvSpPr>
+          <p:nvPr>
+            <p:ph type="sldNum" sz="quarter" idx="5"/>
+          </p:nvPr>
+        </p:nvSpPr>
+        <p:spPr>
+          <a:xfrm>
+            <a:off x="3884613" y="8685213"/>
+            <a:ext cx="2971800" cy="457200"/>
+          </a:xfrm>
+          <a:prstGeom prst="rect">
+            <a:avLst/>
+          </a:prstGeom>
+        </p:spPr>
+        <p:txBody>
+          <a:bodyPr vert="horz" lIns="91440" tIns="45720" rIns="91440" bIns="45720" rtlCol="0" anchor="b"/>
+          <a:lstStyle>
+            <a:lvl1pPr algn="r">
+              <a:defRPr sz="1200"/>
+            </a:lvl1pPr>
+          </a:lstStyle>
+          <a:p>
+            <a:fld id="{CECF864D-583B-41B3-9E2C-B431E2BBC809}" type="slidenum">
+              <a:rPr lang="en-SG" smtClean="0"/>
+              <a:t>‹#›</a:t>
+            </a:fld>
+            <a:endParaRPr lang="en-SG"/>
+          </a:p>
+        </p:txBody>
+      </p:sp>
+    </p:spTree>
+  </p:cSld>
+  <p:clrMap bg1="lt1" tx1="dk1" bg2="lt2" tx2="dk2" accent1="accent1" accent2="accent2" accent3="accent3" accent4="accent4" accent5="accent5" accent6="accent6" hlink="hlink" folHlink="folHlink"/>
+  <p:notesStyle>
+    <a:lvl1pPr marL="0" algn="l" defTabSz="914400" rtl="0" eaLnBrk="1" latinLnBrk="0" hangingPunct="1">
+      <a:defRPr sz="1200" kern="1200">
+        <a:solidFill>
+          <a:schemeClr val="tx1"/>
+        </a:solidFill>
+        <a:latin typeface="+mn-lt"/>
+        <a:ea typeface="+mn-ea"/>
+        <a:cs typeface="+mn-cs"/>
+      </a:defRPr>
+    </a:lvl1pPr>
+    <a:lvl2pPr marL="457200" algn="l" defTabSz="914400" rtl="0" eaLnBrk="1" latinLnBrk="0" hangingPunct="1">
+      <a:defRPr sz="1200" kern="1200">
+        <a:solidFill>
+          <a:schemeClr val="tx1"/>
+        </a:solidFill>
+        <a:latin typeface="+mn-lt"/>
+        <a:ea typeface="+mn-ea"/>
+        <a:cs typeface="+mn-cs"/>
+      </a:defRPr>
+    </a:lvl2pPr>
+    <a:lvl3pPr marL="914400" algn="l" defTabSz="914400" rtl="0" eaLnBrk="1" latinLnBrk="0" hangingPunct="1">
+      <a:defRPr sz="1200" kern="1200">
+        <a:solidFill>
+          <a:schemeClr val="tx1"/>
+        </a:solidFill>
+        <a:latin typeface="+mn-lt"/>
+        <a:ea typeface="+mn-ea"/>
+        <a:cs typeface="+mn-cs"/>
+      </a:defRPr>
+    </a:lvl3pPr>
+    <a:lvl4pPr marL="1371600" algn="l" defTabSz="914400" rtl="0" eaLnBrk="1" latinLnBrk="0" hangingPunct="1">
+      <a:defRPr sz="1200" kern="1200">
+        <a:solidFill>
+          <a:schemeClr val="tx1"/>
+        </a:solidFill>
+        <a:latin typeface="+mn-lt"/>
+        <a:ea typeface="+mn-ea"/>
+        <a:cs typeface="+mn-cs"/>
+      </a:defRPr>
+    </a:lvl4pPr>
+    <a:lvl5pPr marL="1828800" algn="l" defTabSz="914400" rtl="0" eaLnBrk="1" latinLnBrk="0" hangingPunct="1">
+      <a:defRPr sz="1200" kern="1200">
+        <a:solidFill>
+          <a:schemeClr val="tx1"/>
+        </a:solidFill>
+        <a:latin typeface="+mn-lt"/>
+        <a:ea typeface="+mn-ea"/>
+        <a:cs typeface="+mn-cs"/>
+      </a:defRPr>
+    </a:lvl5pPr>
+    <a:lvl6pPr marL="2286000" algn="l" defTabSz="914400" rtl="0" eaLnBrk="1" latinLnBrk="0" hangingPunct="1">
+      <a:defRPr sz="1200" kern="1200">
+        <a:solidFill>
+          <a:schemeClr val="tx1"/>
+        </a:solidFill>
+        <a:latin typeface="+mn-lt"/>
+        <a:ea typeface="+mn-ea"/>
+        <a:cs typeface="+mn-cs"/>
+      </a:defRPr>
+    </a:lvl6pPr>
+    <a:lvl7pPr marL="2743200" algn="l" defTabSz="914400" rtl="0" eaLnBrk="1" latinLnBrk="0" hangingPunct="1">
+      <a:defRPr sz="1200" kern="1200">
+        <a:solidFill>
+          <a:schemeClr val="tx1"/>
+        </a:solidFill>
+        <a:latin typeface="+mn-lt"/>
+        <a:ea typeface="+mn-ea"/>
+        <a:cs typeface="+mn-cs"/>
+      </a:defRPr>
+    </a:lvl7pPr>
+    <a:lvl8pPr marL="3200400" algn="l" defTabSz="914400" rtl="0" eaLnBrk="1" latinLnBrk="0" hangingPunct="1">
+      <a:defRPr sz="1200" kern="1200">
+        <a:solidFill>
+          <a:schemeClr val="tx1"/>
+        </a:solidFill>
+        <a:latin typeface="+mn-lt"/>
+        <a:ea typeface="+mn-ea"/>
+        <a:cs typeface="+mn-cs"/>
+      </a:defRPr>
+    </a:lvl8pPr>
+    <a:lvl9pPr marL="3657600" algn="l" defTabSz="914400" rtl="0" eaLnBrk="1" latinLnBrk="0" hangingPunct="1">
+      <a:defRPr sz="1200" kern="1200">
+        <a:solidFill>
+          <a:schemeClr val="tx1"/>
+        </a:solidFill>
+        <a:latin typeface="+mn-lt"/>
+        <a:ea typeface="+mn-ea"/>
+        <a:cs typeface="+mn-cs"/>
+      </a:defRPr>
+    </a:lvl9pPr>
+  </p:notesStyle>
+</p:notesMaster>
+</file>
+
+<file path=ppt/notesSlides/notesSlide1.xml><?xml version="1.0" encoding="utf-8"?>
+<p:notes xmlns:a="http://schemas.openxmlformats.org/drawingml/2006/main" xmlns:r="http://schemas.openxmlformats.org/officeDocument/2006/relationships" xmlns:p="http://schemas.openxmlformats.org/presentationml/2006/main">
+  <p:cSld>
+    <p:spTree>
+      <p:nvGrpSpPr>
+        <p:cNvPr id="1" name=""/>
+        <p:cNvGrpSpPr/>
+        <p:nvPr/>
+      </p:nvGrpSpPr>
+      <p:grpSpPr>
+        <a:xfrm>
+          <a:off x="0" y="0"/>
+          <a:ext cx="0" cy="0"/>
+          <a:chOff x="0" y="0"/>
+          <a:chExt cx="0" cy="0"/>
+        </a:xfrm>
+      </p:grpSpPr>
+      <p:sp>
+        <p:nvSpPr>
+          <p:cNvPr id="2" name="Slide Image Placeholder 1"/>
+          <p:cNvSpPr>
+            <a:spLocks noGrp="1" noRot="1" noChangeAspect="1"/>
+          </p:cNvSpPr>
+          <p:nvPr>
+            <p:ph type="sldImg"/>
+          </p:nvPr>
+        </p:nvSpPr>
+        <p:spPr/>
+      </p:sp>
+      <p:sp>
+        <p:nvSpPr>
+          <p:cNvPr id="3" name="Notes Placeholder 2"/>
+          <p:cNvSpPr>
+            <a:spLocks noGrp="1"/>
+          </p:cNvSpPr>
+          <p:nvPr>
+            <p:ph type="body" idx="1"/>
+          </p:nvPr>
+        </p:nvSpPr>
+        <p:spPr/>
+        <p:txBody>
+          <a:bodyPr>
+            <a:normAutofit/>
+          </a:bodyPr>
+          <a:lstStyle/>
+          <a:p>
+            <a:endParaRPr lang="en-SG" dirty="0"/>
+          </a:p>
+        </p:txBody>
+      </p:sp>
+      <p:sp>
+        <p:nvSpPr>
+          <p:cNvPr id="4" name="Slide Number Placeholder 3"/>
+          <p:cNvSpPr>
+            <a:spLocks noGrp="1"/>
+          </p:cNvSpPr>
+          <p:nvPr>
+            <p:ph type="sldNum" sz="quarter" idx="10"/>
+          </p:nvPr>
+        </p:nvSpPr>
+        <p:spPr/>
+        <p:txBody>
+          <a:bodyPr/>
+          <a:lstStyle/>
+          <a:p>
+            <a:fld id="{CECF864D-583B-41B3-9E2C-B431E2BBC809}" type="slidenum">
+              <a:rPr lang="en-SG" smtClean="0"/>
+              <a:t>1</a:t>
+            </a:fld>
+            <a:endParaRPr lang="en-SG"/>
+          </a:p>
+        </p:txBody>
+      </p:sp>
+    </p:spTree>
+  </p:cSld>
+  <p:clrMapOvr>
+    <a:masterClrMapping/>
+  </p:clrMapOvr>
+</p:notes>
 </file>
 
 <file path=ppt/slideLayouts/slideLayout1.xml><?xml version="1.0" encoding="utf-8"?>
@@ -3080,26 +3511,34 @@
       </p:grpSpPr>
       <p:pic>
         <p:nvPicPr>
-          <p:cNvPr id="17" name="Picture 16" descr="teacher.png"/>
+          <p:cNvPr id="1027" name="Picture 3"/>
           <p:cNvPicPr>
-            <a:picLocks noChangeAspect="1"/>
+            <a:picLocks noChangeAspect="1" noChangeArrowheads="1"/>
           </p:cNvPicPr>
           <p:nvPr/>
         </p:nvPicPr>
         <p:blipFill>
-          <a:blip r:embed="rId2" cstate="print"/>
+          <a:blip r:embed="rId3" cstate="print"/>
+          <a:srcRect/>
           <a:stretch>
             <a:fillRect/>
           </a:stretch>
         </p:blipFill>
-        <p:spPr>
+        <p:spPr bwMode="auto">
           <a:xfrm>
-            <a:off x="360412" y="359916"/>
-            <a:ext cx="504056" cy="701295"/>
+            <a:off x="2592660" y="287735"/>
+            <a:ext cx="5017442" cy="2448271"/>
           </a:xfrm>
           <a:prstGeom prst="rect">
             <a:avLst/>
           </a:prstGeom>
+          <a:noFill/>
+          <a:ln w="9525">
+            <a:noFill/>
+            <a:miter lim="800000"/>
+            <a:headEnd/>
+            <a:tailEnd/>
+          </a:ln>
         </p:spPr>
       </p:pic>
       <p:cxnSp>
@@ -3168,38 +3607,6 @@
           </a:p>
         </p:txBody>
       </p:sp>
-      <p:pic>
-        <p:nvPicPr>
-          <p:cNvPr id="22" name="Picture 2"/>
-          <p:cNvPicPr>
-            <a:picLocks noChangeAspect="1" noChangeArrowheads="1"/>
-          </p:cNvPicPr>
-          <p:nvPr/>
-        </p:nvPicPr>
-        <p:blipFill>
-          <a:blip r:embed="rId3" cstate="print"/>
-          <a:srcRect/>
-          <a:stretch>
-            <a:fillRect/>
-          </a:stretch>
-        </p:blipFill>
-        <p:spPr bwMode="auto">
-          <a:xfrm>
-            <a:off x="2591320" y="143892"/>
-            <a:ext cx="5041900" cy="2633663"/>
-          </a:xfrm>
-          <a:prstGeom prst="rect">
-            <a:avLst/>
-          </a:prstGeom>
-          <a:noFill/>
-          <a:ln w="9525">
-            <a:noFill/>
-            <a:miter lim="800000"/>
-            <a:headEnd/>
-            <a:tailEnd/>
-          </a:ln>
-        </p:spPr>
-      </p:pic>
       <p:sp>
         <p:nvSpPr>
           <p:cNvPr id="23" name="Rectangular Callout 22"/>
@@ -3208,7 +3615,7 @@
         </p:nvSpPr>
         <p:spPr>
           <a:xfrm rot="10800000">
-            <a:off x="5770634" y="1800076"/>
+            <a:off x="5770634" y="1655886"/>
             <a:ext cx="1574554" cy="683280"/>
           </a:xfrm>
           <a:prstGeom prst="wedgeRectCallout">
@@ -3259,7 +3666,7 @@
         </p:nvSpPr>
         <p:spPr>
           <a:xfrm>
-            <a:off x="5833020" y="1835285"/>
+            <a:off x="5833020" y="1691095"/>
             <a:ext cx="1584176" cy="634484"/>
           </a:xfrm>
           <a:prstGeom prst="rect">
@@ -3297,6 +3704,32 @@
           </a:p>
         </p:txBody>
       </p:sp>
+      <p:pic>
+        <p:nvPicPr>
+          <p:cNvPr id="9" name="Picture 8" descr="C:\Users\dcsdcr\AppData\Local\Microsoft\Windows\Temporary Internet Files\Content.IE5\8EW2YN38\MC900432621[1].png"/>
+          <p:cNvPicPr>
+            <a:picLocks noChangeAspect="1" noChangeArrowheads="1"/>
+          </p:cNvPicPr>
+          <p:nvPr/>
+        </p:nvPicPr>
+        <p:blipFill>
+          <a:blip r:embed="rId4" cstate="print"/>
+          <a:srcRect/>
+          <a:stretch>
+            <a:fillRect/>
+          </a:stretch>
+        </p:blipFill>
+        <p:spPr bwMode="auto">
+          <a:xfrm flipH="1">
+            <a:off x="297213" y="368551"/>
+            <a:ext cx="711271" cy="711271"/>
+          </a:xfrm>
+          <a:prstGeom prst="rect">
+            <a:avLst/>
+          </a:prstGeom>
+          <a:noFill/>
+        </p:spPr>
+      </p:pic>
     </p:spTree>
   </p:cSld>
   <p:clrMapOvr>
@@ -3593,4 +4026,287 @@
   <a:objectDefaults/>
   <a:extraClrSchemeLst/>
 </a:theme>
+</file>
+
+<file path=ppt/theme/theme2.xml><?xml version="1.0" encoding="utf-8"?>
+<a:theme xmlns:a="http://schemas.openxmlformats.org/drawingml/2006/main" name="Office Theme">
+  <a:themeElements>
+    <a:clrScheme name="Office">
+      <a:dk1>
+        <a:sysClr val="windowText" lastClr="000000"/>
+      </a:dk1>
+      <a:lt1>
+        <a:sysClr val="window" lastClr="FFFFFF"/>
+      </a:lt1>
+      <a:dk2>
+        <a:srgbClr val="1F497D"/>
+      </a:dk2>
+      <a:lt2>
+        <a:srgbClr val="EEECE1"/>
+      </a:lt2>
+      <a:accent1>
+        <a:srgbClr val="4F81BD"/>
+      </a:accent1>
+      <a:accent2>
+        <a:srgbClr val="C0504D"/>
+      </a:accent2>
+      <a:accent3>
+        <a:srgbClr val="9BBB59"/>
+      </a:accent3>
+      <a:accent4>
+        <a:srgbClr val="8064A2"/>
+      </a:accent4>
+      <a:accent5>
+        <a:srgbClr val="4BACC6"/>
+      </a:accent5>
+      <a:accent6>
+        <a:srgbClr val="F79646"/>
+      </a:accent6>
+      <a:hlink>
+        <a:srgbClr val="0000FF"/>
+      </a:hlink>
+      <a:folHlink>
+        <a:srgbClr val="800080"/>
+      </a:folHlink>
+    </a:clrScheme>
+    <a:fontScheme name="Office">
+      <a:majorFont>
+        <a:latin typeface="Calibri"/>
+        <a:ea typeface=""/>
+        <a:cs typeface=""/>
+        <a:font script="Jpan" typeface="ＭＳ Ｐゴシック"/>
+        <a:font script="Hang" typeface="맑은 고딕"/>
+        <a:font script="Hans" typeface="宋体"/>
+        <a:font script="Hant" typeface="新細明體"/>
+        <a:font script="Arab" typeface="Times New Roman"/>
+        <a:font script="Hebr" typeface="Times New Roman"/>
+        <a:font script="Thai" typeface="Angsana New"/>
+        <a:font script="Ethi" typeface="Nyala"/>
+        <a:font script="Beng" typeface="Vrinda"/>
+        <a:font script="Gujr" typeface="Shruti"/>
+        <a:font script="Khmr" typeface="MoolBoran"/>
+        <a:font script="Knda" typeface="Tunga"/>
+        <a:font script="Guru" typeface="Raavi"/>
+        <a:font script="Cans" typeface="Euphemia"/>
+        <a:font script="Cher" typeface="Plantagenet Cherokee"/>
+        <a:font script="Yiii" typeface="Microsoft Yi Baiti"/>
+        <a:font script="Tibt" typeface="Microsoft Himalaya"/>
+        <a:font script="Thaa" typeface="MV Boli"/>
+        <a:font script="Deva" typeface="Mangal"/>
+        <a:font script="Telu" typeface="Gautami"/>
+        <a:font script="Taml" typeface="Latha"/>
+        <a:font script="Syrc" typeface="Estrangelo Edessa"/>
+        <a:font script="Orya" typeface="Kalinga"/>
+        <a:font script="Mlym" typeface="Kartika"/>
+        <a:font script="Laoo" typeface="DokChampa"/>
+        <a:font script="Sinh" typeface="Iskoola Pota"/>
+        <a:font script="Mong" typeface="Mongolian Baiti"/>
+        <a:font script="Viet" typeface="Times New Roman"/>
+        <a:font script="Uigh" typeface="Microsoft Uighur"/>
+      </a:majorFont>
+      <a:minorFont>
+        <a:latin typeface="Calibri"/>
+        <a:ea typeface=""/>
+        <a:cs typeface=""/>
+        <a:font script="Jpan" typeface="ＭＳ Ｐゴシック"/>
+        <a:font script="Hang" typeface="맑은 고딕"/>
+        <a:font script="Hans" typeface="宋体"/>
+        <a:font script="Hant" typeface="新細明體"/>
+        <a:font script="Arab" typeface="Arial"/>
+        <a:font script="Hebr" typeface="Arial"/>
+        <a:font script="Thai" typeface="Cordia New"/>
+        <a:font script="Ethi" typeface="Nyala"/>
+        <a:font script="Beng" typeface="Vrinda"/>
+        <a:font script="Gujr" typeface="Shruti"/>
+        <a:font script="Khmr" typeface="DaunPenh"/>
+        <a:font script="Knda" typeface="Tunga"/>
+        <a:font script="Guru" typeface="Raavi"/>
+        <a:font script="Cans" typeface="Euphemia"/>
+        <a:font script="Cher" typeface="Plantagenet Cherokee"/>
+        <a:font script="Yiii" typeface="Microsoft Yi Baiti"/>
+        <a:font script="Tibt" typeface="Microsoft Himalaya"/>
+        <a:font script="Thaa" typeface="MV Boli"/>
+        <a:font script="Deva" typeface="Mangal"/>
+        <a:font script="Telu" typeface="Gautami"/>
+        <a:font script="Taml" typeface="Latha"/>
+        <a:font script="Syrc" typeface="Estrangelo Edessa"/>
+        <a:font script="Orya" typeface="Kalinga"/>
+        <a:font script="Mlym" typeface="Kartika"/>
+        <a:font script="Laoo" typeface="DokChampa"/>
+        <a:font script="Sinh" typeface="Iskoola Pota"/>
+        <a:font script="Mong" typeface="Mongolian Baiti"/>
+        <a:font script="Viet" typeface="Arial"/>
+        <a:font script="Uigh" typeface="Microsoft Uighur"/>
+      </a:minorFont>
+    </a:fontScheme>
+    <a:fmtScheme name="Office">
+      <a:fillStyleLst>
+        <a:solidFill>
+          <a:schemeClr val="phClr"/>
+        </a:solidFill>
+        <a:gradFill rotWithShape="1">
+          <a:gsLst>
+            <a:gs pos="0">
+              <a:schemeClr val="phClr">
+                <a:tint val="50000"/>
+                <a:satMod val="300000"/>
+              </a:schemeClr>
+            </a:gs>
+            <a:gs pos="35000">
+              <a:schemeClr val="phClr">
+                <a:tint val="37000"/>
+                <a:satMod val="300000"/>
+              </a:schemeClr>
+            </a:gs>
+            <a:gs pos="100000">
+              <a:schemeClr val="phClr">
+                <a:tint val="15000"/>
+                <a:satMod val="350000"/>
+              </a:schemeClr>
+            </a:gs>
+          </a:gsLst>
+          <a:lin ang="16200000" scaled="1"/>
+        </a:gradFill>
+        <a:gradFill rotWithShape="1">
+          <a:gsLst>
+            <a:gs pos="0">
+              <a:schemeClr val="phClr">
+                <a:shade val="51000"/>
+                <a:satMod val="130000"/>
+              </a:schemeClr>
+            </a:gs>
+            <a:gs pos="80000">
+              <a:schemeClr val="phClr">
+                <a:shade val="93000"/>
+                <a:satMod val="130000"/>
+              </a:schemeClr>
+            </a:gs>
+            <a:gs pos="100000">
+              <a:schemeClr val="phClr">
+                <a:shade val="94000"/>
+                <a:satMod val="135000"/>
+              </a:schemeClr>
+            </a:gs>
+          </a:gsLst>
+          <a:lin ang="16200000" scaled="0"/>
+        </a:gradFill>
+      </a:fillStyleLst>
+      <a:lnStyleLst>
+        <a:ln w="9525" cap="flat" cmpd="sng" algn="ctr">
+          <a:solidFill>
+            <a:schemeClr val="phClr">
+              <a:shade val="95000"/>
+              <a:satMod val="105000"/>
+            </a:schemeClr>
+          </a:solidFill>
+          <a:prstDash val="solid"/>
+        </a:ln>
+        <a:ln w="25400" cap="flat" cmpd="sng" algn="ctr">
+          <a:solidFill>
+            <a:schemeClr val="phClr"/>
+          </a:solidFill>
+          <a:prstDash val="solid"/>
+        </a:ln>
+        <a:ln w="38100" cap="flat" cmpd="sng" algn="ctr">
+          <a:solidFill>
+            <a:schemeClr val="phClr"/>
+          </a:solidFill>
+          <a:prstDash val="solid"/>
+        </a:ln>
+      </a:lnStyleLst>
+      <a:effectStyleLst>
+        <a:effectStyle>
+          <a:effectLst>
+            <a:outerShdw blurRad="40000" dist="20000" dir="5400000" rotWithShape="0">
+              <a:srgbClr val="000000">
+                <a:alpha val="38000"/>
+              </a:srgbClr>
+            </a:outerShdw>
+          </a:effectLst>
+        </a:effectStyle>
+        <a:effectStyle>
+          <a:effectLst>
+            <a:outerShdw blurRad="40000" dist="23000" dir="5400000" rotWithShape="0">
+              <a:srgbClr val="000000">
+                <a:alpha val="35000"/>
+              </a:srgbClr>
+            </a:outerShdw>
+          </a:effectLst>
+        </a:effectStyle>
+        <a:effectStyle>
+          <a:effectLst>
+            <a:outerShdw blurRad="40000" dist="23000" dir="5400000" rotWithShape="0">
+              <a:srgbClr val="000000">
+                <a:alpha val="35000"/>
+              </a:srgbClr>
+            </a:outerShdw>
+          </a:effectLst>
+          <a:scene3d>
+            <a:camera prst="orthographicFront">
+              <a:rot lat="0" lon="0" rev="0"/>
+            </a:camera>
+            <a:lightRig rig="threePt" dir="t">
+              <a:rot lat="0" lon="0" rev="1200000"/>
+            </a:lightRig>
+          </a:scene3d>
+          <a:sp3d>
+            <a:bevelT w="63500" h="25400"/>
+          </a:sp3d>
+        </a:effectStyle>
+      </a:effectStyleLst>
+      <a:bgFillStyleLst>
+        <a:solidFill>
+          <a:schemeClr val="phClr"/>
+        </a:solidFill>
+        <a:gradFill rotWithShape="1">
+          <a:gsLst>
+            <a:gs pos="0">
+              <a:schemeClr val="phClr">
+                <a:tint val="40000"/>
+                <a:satMod val="350000"/>
+              </a:schemeClr>
+            </a:gs>
+            <a:gs pos="40000">
+              <a:schemeClr val="phClr">
+                <a:tint val="45000"/>
+                <a:shade val="99000"/>
+                <a:satMod val="350000"/>
+              </a:schemeClr>
+            </a:gs>
+            <a:gs pos="100000">
+              <a:schemeClr val="phClr">
+                <a:shade val="20000"/>
+                <a:satMod val="255000"/>
+              </a:schemeClr>
+            </a:gs>
+          </a:gsLst>
+          <a:path path="circle">
+            <a:fillToRect l="50000" t="-80000" r="50000" b="180000"/>
+          </a:path>
+        </a:gradFill>
+        <a:gradFill rotWithShape="1">
+          <a:gsLst>
+            <a:gs pos="0">
+              <a:schemeClr val="phClr">
+                <a:tint val="80000"/>
+                <a:satMod val="300000"/>
+              </a:schemeClr>
+            </a:gs>
+            <a:gs pos="100000">
+              <a:schemeClr val="phClr">
+                <a:shade val="30000"/>
+                <a:satMod val="200000"/>
+              </a:schemeClr>
+            </a:gs>
+          </a:gsLst>
+          <a:path path="circle">
+            <a:fillToRect l="50000" t="50000" r="50000" b="50000"/>
+          </a:path>
+        </a:gradFill>
+      </a:bgFillStyleLst>
+    </a:fmtScheme>
+  </a:themeElements>
+  <a:objectDefaults/>
+  <a:extraClrSchemeLst/>
+</a:theme>
 </file>
--- a/doc/mockups/features-screenshots/feature3-createEval.pptx
+++ b/doc/mockups/features-screenshots/feature3-createEval.pptx
@@ -12,6 +12,9 @@
   </p:sldIdLst>
   <p:sldSz cx="7921625" cy="2879725"/>
   <p:notesSz cx="6858000" cy="9144000"/>
+  <p:custDataLst>
+    <p:tags r:id="rId4"/>
+  </p:custDataLst>
   <p:defaultTextStyle>
     <a:defPPr>
       <a:defRPr lang="en-US"/>
@@ -122,10 +125,6 @@
     <p:pos x="4660" y="215"/>
     <p:text>date and time should be in the same line?</p:text>
   </p:cm>
-  <p:cm authorId="0" dt="2012-08-01T10:38:31.497" idx="5">
-    <p:pos x="241" y="897"/>
-    <p:text>copy these clipart directly from the other PPT file. If you copy them as screenshots, they get pixelated.</p:text>
-  </p:cm>
 </p:cmLst>
 </file>
 
@@ -211,7 +210,7 @@
           <a:p>
             <a:fld id="{EAF9FAEA-64EF-4413-A2DA-12DBF9C0B08C}" type="datetimeFigureOut">
               <a:rPr lang="en-SG" smtClean="0"/>
-              <a:t>1/8/2012</a:t>
+              <a:t>20/3/2013</a:t>
             </a:fld>
             <a:endParaRPr lang="en-SG"/>
           </a:p>
@@ -379,6 +378,11 @@
         </p:txBody>
       </p:sp>
     </p:spTree>
+    <p:extLst>
+      <p:ext uri="{BB962C8B-B14F-4D97-AF65-F5344CB8AC3E}">
+        <p14:creationId xmlns:p14="http://schemas.microsoft.com/office/powerpoint/2010/main" val="3945900030"/>
+      </p:ext>
+    </p:extLst>
   </p:cSld>
   <p:clrMap bg1="lt1" tx1="dk1" bg2="lt2" tx2="dk2" accent1="accent1" accent2="accent2" accent3="accent3" accent4="accent4" accent5="accent5" accent6="accent6" hlink="hlink" folHlink="folHlink"/>
   <p:notesStyle>
@@ -739,7 +743,7 @@
             <a:fld id="{B0544CA6-0BFF-4F49-885A-88A3CCAE5331}" type="datetimeFigureOut">
               <a:rPr lang="en-SG" smtClean="0"/>
               <a:pPr/>
-              <a:t>1/8/2012</a:t>
+              <a:t>20/3/2013</a:t>
             </a:fld>
             <a:endParaRPr lang="en-SG"/>
           </a:p>
@@ -906,7 +910,7 @@
             <a:fld id="{B0544CA6-0BFF-4F49-885A-88A3CCAE5331}" type="datetimeFigureOut">
               <a:rPr lang="en-SG" smtClean="0"/>
               <a:pPr/>
-              <a:t>1/8/2012</a:t>
+              <a:t>20/3/2013</a:t>
             </a:fld>
             <a:endParaRPr lang="en-SG"/>
           </a:p>
@@ -1083,7 +1087,7 @@
             <a:fld id="{B0544CA6-0BFF-4F49-885A-88A3CCAE5331}" type="datetimeFigureOut">
               <a:rPr lang="en-SG" smtClean="0"/>
               <a:pPr/>
-              <a:t>1/8/2012</a:t>
+              <a:t>20/3/2013</a:t>
             </a:fld>
             <a:endParaRPr lang="en-SG"/>
           </a:p>
@@ -1250,7 +1254,7 @@
             <a:fld id="{B0544CA6-0BFF-4F49-885A-88A3CCAE5331}" type="datetimeFigureOut">
               <a:rPr lang="en-SG" smtClean="0"/>
               <a:pPr/>
-              <a:t>1/8/2012</a:t>
+              <a:t>20/3/2013</a:t>
             </a:fld>
             <a:endParaRPr lang="en-SG"/>
           </a:p>
@@ -1493,7 +1497,7 @@
             <a:fld id="{B0544CA6-0BFF-4F49-885A-88A3CCAE5331}" type="datetimeFigureOut">
               <a:rPr lang="en-SG" smtClean="0"/>
               <a:pPr/>
-              <a:t>1/8/2012</a:t>
+              <a:t>20/3/2013</a:t>
             </a:fld>
             <a:endParaRPr lang="en-SG"/>
           </a:p>
@@ -1778,7 +1782,7 @@
             <a:fld id="{B0544CA6-0BFF-4F49-885A-88A3CCAE5331}" type="datetimeFigureOut">
               <a:rPr lang="en-SG" smtClean="0"/>
               <a:pPr/>
-              <a:t>1/8/2012</a:t>
+              <a:t>20/3/2013</a:t>
             </a:fld>
             <a:endParaRPr lang="en-SG"/>
           </a:p>
@@ -2197,7 +2201,7 @@
             <a:fld id="{B0544CA6-0BFF-4F49-885A-88A3CCAE5331}" type="datetimeFigureOut">
               <a:rPr lang="en-SG" smtClean="0"/>
               <a:pPr/>
-              <a:t>1/8/2012</a:t>
+              <a:t>20/3/2013</a:t>
             </a:fld>
             <a:endParaRPr lang="en-SG"/>
           </a:p>
@@ -2312,7 +2316,7 @@
             <a:fld id="{B0544CA6-0BFF-4F49-885A-88A3CCAE5331}" type="datetimeFigureOut">
               <a:rPr lang="en-SG" smtClean="0"/>
               <a:pPr/>
-              <a:t>1/8/2012</a:t>
+              <a:t>20/3/2013</a:t>
             </a:fld>
             <a:endParaRPr lang="en-SG"/>
           </a:p>
@@ -2404,7 +2408,7 @@
             <a:fld id="{B0544CA6-0BFF-4F49-885A-88A3CCAE5331}" type="datetimeFigureOut">
               <a:rPr lang="en-SG" smtClean="0"/>
               <a:pPr/>
-              <a:t>1/8/2012</a:t>
+              <a:t>20/3/2013</a:t>
             </a:fld>
             <a:endParaRPr lang="en-SG"/>
           </a:p>
@@ -2678,7 +2682,7 @@
             <a:fld id="{B0544CA6-0BFF-4F49-885A-88A3CCAE5331}" type="datetimeFigureOut">
               <a:rPr lang="en-SG" smtClean="0"/>
               <a:pPr/>
-              <a:t>1/8/2012</a:t>
+              <a:t>20/3/2013</a:t>
             </a:fld>
             <a:endParaRPr lang="en-SG"/>
           </a:p>
@@ -2928,7 +2932,7 @@
             <a:fld id="{B0544CA6-0BFF-4F49-885A-88A3CCAE5331}" type="datetimeFigureOut">
               <a:rPr lang="en-SG" smtClean="0"/>
               <a:pPr/>
-              <a:t>1/8/2012</a:t>
+              <a:t>20/3/2013</a:t>
             </a:fld>
             <a:endParaRPr lang="en-SG"/>
           </a:p>
@@ -3138,7 +3142,7 @@
             <a:fld id="{B0544CA6-0BFF-4F49-885A-88A3CCAE5331}" type="datetimeFigureOut">
               <a:rPr lang="en-SG" smtClean="0"/>
               <a:pPr/>
-              <a:t>1/8/2012</a:t>
+              <a:t>20/3/2013</a:t>
             </a:fld>
             <a:endParaRPr lang="en-SG"/>
           </a:p>
@@ -3704,32 +3708,377 @@
           </a:p>
         </p:txBody>
       </p:sp>
-      <p:pic>
-        <p:nvPicPr>
-          <p:cNvPr id="9" name="Picture 8" descr="C:\Users\dcsdcr\AppData\Local\Microsoft\Windows\Temporary Internet Files\Content.IE5\8EW2YN38\MC900432621[1].png"/>
-          <p:cNvPicPr>
-            <a:picLocks noChangeAspect="1" noChangeArrowheads="1"/>
-          </p:cNvPicPr>
+      <p:grpSp>
+        <p:nvGrpSpPr>
+          <p:cNvPr id="8" name="Group 7"/>
+          <p:cNvGrpSpPr>
+            <a:grpSpLocks noChangeAspect="1"/>
+          </p:cNvGrpSpPr>
           <p:nvPr/>
-        </p:nvPicPr>
-        <p:blipFill>
-          <a:blip r:embed="rId4" cstate="print"/>
-          <a:srcRect/>
-          <a:stretch>
-            <a:fillRect/>
-          </a:stretch>
-        </p:blipFill>
-        <p:spPr bwMode="auto">
-          <a:xfrm flipH="1">
-            <a:off x="297213" y="368551"/>
-            <a:ext cx="711271" cy="711271"/>
+        </p:nvGrpSpPr>
+        <p:grpSpPr>
+          <a:xfrm>
+            <a:off x="432420" y="402432"/>
+            <a:ext cx="364763" cy="635048"/>
+            <a:chOff x="638861" y="309422"/>
+            <a:chExt cx="298983" cy="520531"/>
           </a:xfrm>
-          <a:prstGeom prst="rect">
-            <a:avLst/>
-          </a:prstGeom>
-          <a:noFill/>
-        </p:spPr>
-      </p:pic>
+        </p:grpSpPr>
+        <p:sp>
+          <p:nvSpPr>
+            <p:cNvPr id="10" name="Flowchart: Connector 9"/>
+            <p:cNvSpPr/>
+            <p:nvPr/>
+          </p:nvSpPr>
+          <p:spPr>
+            <a:xfrm>
+              <a:off x="678021" y="309422"/>
+              <a:ext cx="220662" cy="220662"/>
+            </a:xfrm>
+            <a:prstGeom prst="flowChartConnector">
+              <a:avLst/>
+            </a:prstGeom>
+            <a:solidFill>
+              <a:schemeClr val="bg1"/>
+            </a:solidFill>
+          </p:spPr>
+          <p:style>
+            <a:lnRef idx="2">
+              <a:schemeClr val="accent1">
+                <a:shade val="50000"/>
+              </a:schemeClr>
+            </a:lnRef>
+            <a:fillRef idx="1">
+              <a:schemeClr val="accent1"/>
+            </a:fillRef>
+            <a:effectRef idx="0">
+              <a:schemeClr val="accent1"/>
+            </a:effectRef>
+            <a:fontRef idx="minor">
+              <a:schemeClr val="lt1"/>
+            </a:fontRef>
+          </p:style>
+          <p:txBody>
+            <a:bodyPr rtlCol="0" anchor="ctr"/>
+            <a:lstStyle/>
+            <a:p>
+              <a:pPr algn="ctr"/>
+              <a:endParaRPr lang="en-SG"/>
+            </a:p>
+          </p:txBody>
+        </p:sp>
+        <p:grpSp>
+          <p:nvGrpSpPr>
+            <p:cNvPr id="11" name="Group 10"/>
+            <p:cNvGrpSpPr/>
+            <p:nvPr/>
+          </p:nvGrpSpPr>
+          <p:grpSpPr>
+            <a:xfrm>
+              <a:off x="638861" y="549600"/>
+              <a:ext cx="298983" cy="280353"/>
+              <a:chOff x="638861" y="549600"/>
+              <a:chExt cx="298983" cy="280353"/>
+            </a:xfrm>
+          </p:grpSpPr>
+          <p:sp>
+            <p:nvSpPr>
+              <p:cNvPr id="14" name="Flowchart: Delay 13"/>
+              <p:cNvSpPr/>
+              <p:nvPr/>
+            </p:nvSpPr>
+            <p:spPr>
+              <a:xfrm rot="16200000">
+                <a:off x="648176" y="540285"/>
+                <a:ext cx="280353" cy="298983"/>
+              </a:xfrm>
+              <a:prstGeom prst="flowChartDelay">
+                <a:avLst/>
+              </a:prstGeom>
+              <a:solidFill>
+                <a:schemeClr val="bg1"/>
+              </a:solidFill>
+            </p:spPr>
+            <p:style>
+              <a:lnRef idx="2">
+                <a:schemeClr val="accent1">
+                  <a:shade val="50000"/>
+                </a:schemeClr>
+              </a:lnRef>
+              <a:fillRef idx="1">
+                <a:schemeClr val="accent1"/>
+              </a:fillRef>
+              <a:effectRef idx="0">
+                <a:schemeClr val="accent1"/>
+              </a:effectRef>
+              <a:fontRef idx="minor">
+                <a:schemeClr val="lt1"/>
+              </a:fontRef>
+            </p:style>
+            <p:txBody>
+              <a:bodyPr rtlCol="0" anchor="ctr"/>
+              <a:lstStyle/>
+              <a:p>
+                <a:pPr algn="ctr"/>
+                <a:endParaRPr lang="en-SG"/>
+              </a:p>
+            </p:txBody>
+          </p:sp>
+          <p:sp>
+            <p:nvSpPr>
+              <p:cNvPr id="15" name="Freeform 14"/>
+              <p:cNvSpPr/>
+              <p:nvPr/>
+            </p:nvSpPr>
+            <p:spPr>
+              <a:xfrm>
+                <a:off x="737215" y="552954"/>
+                <a:ext cx="102393" cy="235744"/>
+              </a:xfrm>
+              <a:custGeom>
+                <a:avLst/>
+                <a:gdLst>
+                  <a:gd name="connsiteX0" fmla="*/ 47625 w 102393"/>
+                  <a:gd name="connsiteY0" fmla="*/ 0 h 235744"/>
+                  <a:gd name="connsiteX1" fmla="*/ 0 w 102393"/>
+                  <a:gd name="connsiteY1" fmla="*/ 185738 h 235744"/>
+                  <a:gd name="connsiteX2" fmla="*/ 57150 w 102393"/>
+                  <a:gd name="connsiteY2" fmla="*/ 235744 h 235744"/>
+                  <a:gd name="connsiteX3" fmla="*/ 102393 w 102393"/>
+                  <a:gd name="connsiteY3" fmla="*/ 171450 h 235744"/>
+                  <a:gd name="connsiteX4" fmla="*/ 47625 w 102393"/>
+                  <a:gd name="connsiteY4" fmla="*/ 0 h 235744"/>
+                </a:gdLst>
+                <a:ahLst/>
+                <a:cxnLst>
+                  <a:cxn ang="0">
+                    <a:pos x="connsiteX0" y="connsiteY0"/>
+                  </a:cxn>
+                  <a:cxn ang="0">
+                    <a:pos x="connsiteX1" y="connsiteY1"/>
+                  </a:cxn>
+                  <a:cxn ang="0">
+                    <a:pos x="connsiteX2" y="connsiteY2"/>
+                  </a:cxn>
+                  <a:cxn ang="0">
+                    <a:pos x="connsiteX3" y="connsiteY3"/>
+                  </a:cxn>
+                  <a:cxn ang="0">
+                    <a:pos x="connsiteX4" y="connsiteY4"/>
+                  </a:cxn>
+                </a:cxnLst>
+                <a:rect l="l" t="t" r="r" b="b"/>
+                <a:pathLst>
+                  <a:path w="102393" h="235744">
+                    <a:moveTo>
+                      <a:pt x="47625" y="0"/>
+                    </a:moveTo>
+                    <a:lnTo>
+                      <a:pt x="0" y="185738"/>
+                    </a:lnTo>
+                    <a:lnTo>
+                      <a:pt x="57150" y="235744"/>
+                    </a:lnTo>
+                    <a:lnTo>
+                      <a:pt x="102393" y="171450"/>
+                    </a:lnTo>
+                    <a:lnTo>
+                      <a:pt x="47625" y="0"/>
+                    </a:lnTo>
+                    <a:close/>
+                  </a:path>
+                </a:pathLst>
+              </a:custGeom>
+              <a:solidFill>
+                <a:schemeClr val="bg1"/>
+              </a:solidFill>
+            </p:spPr>
+            <p:style>
+              <a:lnRef idx="2">
+                <a:schemeClr val="accent1">
+                  <a:shade val="50000"/>
+                </a:schemeClr>
+              </a:lnRef>
+              <a:fillRef idx="1">
+                <a:schemeClr val="accent1"/>
+              </a:fillRef>
+              <a:effectRef idx="0">
+                <a:schemeClr val="accent1"/>
+              </a:effectRef>
+              <a:fontRef idx="minor">
+                <a:schemeClr val="lt1"/>
+              </a:fontRef>
+            </p:style>
+            <p:txBody>
+              <a:bodyPr rtlCol="0" anchor="ctr"/>
+              <a:lstStyle/>
+              <a:p>
+                <a:pPr algn="ctr"/>
+                <a:endParaRPr lang="en-SG"/>
+              </a:p>
+            </p:txBody>
+          </p:sp>
+        </p:grpSp>
+        <p:sp>
+          <p:nvSpPr>
+            <p:cNvPr id="12" name="Freeform 11"/>
+            <p:cNvSpPr/>
+            <p:nvPr/>
+          </p:nvSpPr>
+          <p:spPr>
+            <a:xfrm>
+              <a:off x="882472" y="469611"/>
+              <a:ext cx="50006" cy="19050"/>
+            </a:xfrm>
+            <a:custGeom>
+              <a:avLst/>
+              <a:gdLst>
+                <a:gd name="connsiteX0" fmla="*/ 0 w 50006"/>
+                <a:gd name="connsiteY0" fmla="*/ 0 h 19050"/>
+                <a:gd name="connsiteX1" fmla="*/ 0 w 50006"/>
+                <a:gd name="connsiteY1" fmla="*/ 0 h 19050"/>
+                <a:gd name="connsiteX2" fmla="*/ 21431 w 50006"/>
+                <a:gd name="connsiteY2" fmla="*/ 4762 h 19050"/>
+                <a:gd name="connsiteX3" fmla="*/ 28575 w 50006"/>
+                <a:gd name="connsiteY3" fmla="*/ 9525 h 19050"/>
+                <a:gd name="connsiteX4" fmla="*/ 38100 w 50006"/>
+                <a:gd name="connsiteY4" fmla="*/ 14287 h 19050"/>
+                <a:gd name="connsiteX5" fmla="*/ 50006 w 50006"/>
+                <a:gd name="connsiteY5" fmla="*/ 19050 h 19050"/>
+              </a:gdLst>
+              <a:ahLst/>
+              <a:cxnLst>
+                <a:cxn ang="0">
+                  <a:pos x="connsiteX0" y="connsiteY0"/>
+                </a:cxn>
+                <a:cxn ang="0">
+                  <a:pos x="connsiteX1" y="connsiteY1"/>
+                </a:cxn>
+                <a:cxn ang="0">
+                  <a:pos x="connsiteX2" y="connsiteY2"/>
+                </a:cxn>
+                <a:cxn ang="0">
+                  <a:pos x="connsiteX3" y="connsiteY3"/>
+                </a:cxn>
+                <a:cxn ang="0">
+                  <a:pos x="connsiteX4" y="connsiteY4"/>
+                </a:cxn>
+                <a:cxn ang="0">
+                  <a:pos x="connsiteX5" y="connsiteY5"/>
+                </a:cxn>
+              </a:cxnLst>
+              <a:rect l="l" t="t" r="r" b="b"/>
+              <a:pathLst>
+                <a:path w="50006" h="19050">
+                  <a:moveTo>
+                    <a:pt x="0" y="0"/>
+                  </a:moveTo>
+                  <a:lnTo>
+                    <a:pt x="0" y="0"/>
+                  </a:lnTo>
+                  <a:cubicBezTo>
+                    <a:pt x="7144" y="1587"/>
+                    <a:pt x="14489" y="2448"/>
+                    <a:pt x="21431" y="4762"/>
+                  </a:cubicBezTo>
+                  <a:cubicBezTo>
+                    <a:pt x="24146" y="5667"/>
+                    <a:pt x="26090" y="8105"/>
+                    <a:pt x="28575" y="9525"/>
+                  </a:cubicBezTo>
+                  <a:cubicBezTo>
+                    <a:pt x="31657" y="11286"/>
+                    <a:pt x="34837" y="12889"/>
+                    <a:pt x="38100" y="14287"/>
+                  </a:cubicBezTo>
+                  <a:cubicBezTo>
+                    <a:pt x="58672" y="23103"/>
+                    <a:pt x="34691" y="11391"/>
+                    <a:pt x="50006" y="19050"/>
+                  </a:cubicBezTo>
+                </a:path>
+              </a:pathLst>
+            </a:custGeom>
+            <a:solidFill>
+              <a:schemeClr val="bg1"/>
+            </a:solidFill>
+          </p:spPr>
+          <p:style>
+            <a:lnRef idx="2">
+              <a:schemeClr val="accent1">
+                <a:shade val="50000"/>
+              </a:schemeClr>
+            </a:lnRef>
+            <a:fillRef idx="1">
+              <a:schemeClr val="accent1"/>
+            </a:fillRef>
+            <a:effectRef idx="0">
+              <a:schemeClr val="accent1"/>
+            </a:effectRef>
+            <a:fontRef idx="minor">
+              <a:schemeClr val="lt1"/>
+            </a:fontRef>
+          </p:style>
+          <p:txBody>
+            <a:bodyPr rtlCol="0" anchor="ctr"/>
+            <a:lstStyle/>
+            <a:p>
+              <a:pPr algn="ctr"/>
+              <a:endParaRPr lang="en-SG"/>
+            </a:p>
+          </p:txBody>
+        </p:sp>
+        <p:sp>
+          <p:nvSpPr>
+            <p:cNvPr id="13" name="Flowchart: Connector 12"/>
+            <p:cNvSpPr/>
+            <p:nvPr/>
+          </p:nvSpPr>
+          <p:spPr>
+            <a:xfrm>
+              <a:off x="800257" y="354516"/>
+              <a:ext cx="45719" cy="45719"/>
+            </a:xfrm>
+            <a:prstGeom prst="flowChartConnector">
+              <a:avLst/>
+            </a:prstGeom>
+            <a:solidFill>
+              <a:schemeClr val="bg1"/>
+            </a:solidFill>
+            <a:ln>
+              <a:solidFill>
+                <a:schemeClr val="accent1">
+                  <a:lumMod val="75000"/>
+                </a:schemeClr>
+              </a:solidFill>
+            </a:ln>
+          </p:spPr>
+          <p:style>
+            <a:lnRef idx="2">
+              <a:schemeClr val="accent1">
+                <a:shade val="50000"/>
+              </a:schemeClr>
+            </a:lnRef>
+            <a:fillRef idx="1">
+              <a:schemeClr val="accent1"/>
+            </a:fillRef>
+            <a:effectRef idx="0">
+              <a:schemeClr val="accent1"/>
+            </a:effectRef>
+            <a:fontRef idx="minor">
+              <a:schemeClr val="lt1"/>
+            </a:fontRef>
+          </p:style>
+          <p:txBody>
+            <a:bodyPr rtlCol="0" anchor="ctr"/>
+            <a:lstStyle/>
+            <a:p>
+              <a:pPr algn="ctr"/>
+              <a:endParaRPr lang="en-SG"/>
+            </a:p>
+          </p:txBody>
+        </p:sp>
+      </p:grpSp>
     </p:spTree>
   </p:cSld>
   <p:clrMapOvr>
@@ -3743,6 +4092,12 @@
     </p:tnLst>
   </p:timing>
 </p:sld>
+</file>
+
+<file path=ppt/tags/tag1.xml><?xml version="1.0" encoding="utf-8"?>
+<p:tagLst xmlns:a="http://schemas.openxmlformats.org/drawingml/2006/main" xmlns:r="http://schemas.openxmlformats.org/officeDocument/2006/relationships" xmlns:p="http://schemas.openxmlformats.org/presentationml/2006/main">
+  <p:tag name="ARTICULATE_PROJECT_OPEN" val="0"/>
+</p:tagLst>
 </file>
 
 <file path=ppt/theme/theme1.xml><?xml version="1.0" encoding="utf-8"?>

--- a/doc/mockups/features-screenshots/feature3-createEval.pptx
+++ b/doc/mockups/features-screenshots/feature3-createEval.pptx
@@ -117,15 +117,6 @@
 <p:cmAuthorLst xmlns:a="http://schemas.openxmlformats.org/drawingml/2006/main" xmlns:r="http://schemas.openxmlformats.org/officeDocument/2006/relationships" xmlns:p="http://schemas.openxmlformats.org/presentationml/2006/main">
   <p:cmAuthor id="0" name="Damith C. Rajapakse" initials="DCR" lastIdx="16" clrIdx="0"/>
 </p:cmAuthorLst>
-</file>
-
-<file path=ppt/comments/comment1.xml><?xml version="1.0" encoding="utf-8"?>
-<p:cmLst xmlns:a="http://schemas.openxmlformats.org/drawingml/2006/main" xmlns:r="http://schemas.openxmlformats.org/officeDocument/2006/relationships" xmlns:p="http://schemas.openxmlformats.org/presentationml/2006/main">
-  <p:cm authorId="0" dt="2012-08-01T10:34:38.360" idx="3">
-    <p:pos x="4660" y="215"/>
-    <p:text>date and time should be in the same line?</p:text>
-  </p:cm>
-</p:cmLst>
 </file>
 
 <file path=ppt/notesMasters/notesMaster1.xml><?xml version="1.0" encoding="utf-8"?>

--- a/doc/mockups/features-screenshots/feature3-createEval.pptx
+++ b/doc/mockups/features-screenshots/feature3-createEval.pptx
@@ -12,6 +12,9 @@
   </p:sldIdLst>
   <p:sldSz cx="7921625" cy="2879725"/>
   <p:notesSz cx="6858000" cy="9144000"/>
+  <p:custDataLst>
+    <p:tags r:id="rId4"/>
+  </p:custDataLst>
   <p:defaultTextStyle>
     <a:defPPr>
       <a:defRPr lang="en-US"/>
@@ -116,19 +119,6 @@
 </p:cmAuthorLst>
 </file>
 
-<file path=ppt/comments/comment1.xml><?xml version="1.0" encoding="utf-8"?>
-<p:cmLst xmlns:a="http://schemas.openxmlformats.org/drawingml/2006/main" xmlns:r="http://schemas.openxmlformats.org/officeDocument/2006/relationships" xmlns:p="http://schemas.openxmlformats.org/presentationml/2006/main">
-  <p:cm authorId="0" dt="2012-08-01T10:34:38.360" idx="3">
-    <p:pos x="4660" y="215"/>
-    <p:text>date and time should be in the same line?</p:text>
-  </p:cm>
-  <p:cm authorId="0" dt="2012-08-01T10:38:31.497" idx="5">
-    <p:pos x="241" y="897"/>
-    <p:text>copy these clipart directly from the other PPT file. If you copy them as screenshots, they get pixelated.</p:text>
-  </p:cm>
-</p:cmLst>
-</file>
-
 <file path=ppt/notesMasters/notesMaster1.xml><?xml version="1.0" encoding="utf-8"?>
 <p:notesMaster xmlns:a="http://schemas.openxmlformats.org/drawingml/2006/main" xmlns:r="http://schemas.openxmlformats.org/officeDocument/2006/relationships" xmlns:p="http://schemas.openxmlformats.org/presentationml/2006/main">
   <p:cSld>
@@ -211,7 +201,7 @@
           <a:p>
             <a:fld id="{EAF9FAEA-64EF-4413-A2DA-12DBF9C0B08C}" type="datetimeFigureOut">
               <a:rPr lang="en-SG" smtClean="0"/>
-              <a:t>1/8/2012</a:t>
+              <a:t>20/3/2013</a:t>
             </a:fld>
             <a:endParaRPr lang="en-SG"/>
           </a:p>
@@ -379,6 +369,11 @@
         </p:txBody>
       </p:sp>
     </p:spTree>
+    <p:extLst>
+      <p:ext uri="{BB962C8B-B14F-4D97-AF65-F5344CB8AC3E}">
+        <p14:creationId xmlns:p14="http://schemas.microsoft.com/office/powerpoint/2010/main" val="3945900030"/>
+      </p:ext>
+    </p:extLst>
   </p:cSld>
   <p:clrMap bg1="lt1" tx1="dk1" bg2="lt2" tx2="dk2" accent1="accent1" accent2="accent2" accent3="accent3" accent4="accent4" accent5="accent5" accent6="accent6" hlink="hlink" folHlink="folHlink"/>
   <p:notesStyle>
@@ -739,7 +734,7 @@
             <a:fld id="{B0544CA6-0BFF-4F49-885A-88A3CCAE5331}" type="datetimeFigureOut">
               <a:rPr lang="en-SG" smtClean="0"/>
               <a:pPr/>
-              <a:t>1/8/2012</a:t>
+              <a:t>20/3/2013</a:t>
             </a:fld>
             <a:endParaRPr lang="en-SG"/>
           </a:p>
@@ -906,7 +901,7 @@
             <a:fld id="{B0544CA6-0BFF-4F49-885A-88A3CCAE5331}" type="datetimeFigureOut">
               <a:rPr lang="en-SG" smtClean="0"/>
               <a:pPr/>
-              <a:t>1/8/2012</a:t>
+              <a:t>20/3/2013</a:t>
             </a:fld>
             <a:endParaRPr lang="en-SG"/>
           </a:p>
@@ -1083,7 +1078,7 @@
             <a:fld id="{B0544CA6-0BFF-4F49-885A-88A3CCAE5331}" type="datetimeFigureOut">
               <a:rPr lang="en-SG" smtClean="0"/>
               <a:pPr/>
-              <a:t>1/8/2012</a:t>
+              <a:t>20/3/2013</a:t>
             </a:fld>
             <a:endParaRPr lang="en-SG"/>
           </a:p>
@@ -1250,7 +1245,7 @@
             <a:fld id="{B0544CA6-0BFF-4F49-885A-88A3CCAE5331}" type="datetimeFigureOut">
               <a:rPr lang="en-SG" smtClean="0"/>
               <a:pPr/>
-              <a:t>1/8/2012</a:t>
+              <a:t>20/3/2013</a:t>
             </a:fld>
             <a:endParaRPr lang="en-SG"/>
           </a:p>
@@ -1493,7 +1488,7 @@
             <a:fld id="{B0544CA6-0BFF-4F49-885A-88A3CCAE5331}" type="datetimeFigureOut">
               <a:rPr lang="en-SG" smtClean="0"/>
               <a:pPr/>
-              <a:t>1/8/2012</a:t>
+              <a:t>20/3/2013</a:t>
             </a:fld>
             <a:endParaRPr lang="en-SG"/>
           </a:p>
@@ -1778,7 +1773,7 @@
             <a:fld id="{B0544CA6-0BFF-4F49-885A-88A3CCAE5331}" type="datetimeFigureOut">
               <a:rPr lang="en-SG" smtClean="0"/>
               <a:pPr/>
-              <a:t>1/8/2012</a:t>
+              <a:t>20/3/2013</a:t>
             </a:fld>
             <a:endParaRPr lang="en-SG"/>
           </a:p>
@@ -2197,7 +2192,7 @@
             <a:fld id="{B0544CA6-0BFF-4F49-885A-88A3CCAE5331}" type="datetimeFigureOut">
               <a:rPr lang="en-SG" smtClean="0"/>
               <a:pPr/>
-              <a:t>1/8/2012</a:t>
+              <a:t>20/3/2013</a:t>
             </a:fld>
             <a:endParaRPr lang="en-SG"/>
           </a:p>
@@ -2312,7 +2307,7 @@
             <a:fld id="{B0544CA6-0BFF-4F49-885A-88A3CCAE5331}" type="datetimeFigureOut">
               <a:rPr lang="en-SG" smtClean="0"/>
               <a:pPr/>
-              <a:t>1/8/2012</a:t>
+              <a:t>20/3/2013</a:t>
             </a:fld>
             <a:endParaRPr lang="en-SG"/>
           </a:p>
@@ -2404,7 +2399,7 @@
             <a:fld id="{B0544CA6-0BFF-4F49-885A-88A3CCAE5331}" type="datetimeFigureOut">
               <a:rPr lang="en-SG" smtClean="0"/>
               <a:pPr/>
-              <a:t>1/8/2012</a:t>
+              <a:t>20/3/2013</a:t>
             </a:fld>
             <a:endParaRPr lang="en-SG"/>
           </a:p>
@@ -2678,7 +2673,7 @@
             <a:fld id="{B0544CA6-0BFF-4F49-885A-88A3CCAE5331}" type="datetimeFigureOut">
               <a:rPr lang="en-SG" smtClean="0"/>
               <a:pPr/>
-              <a:t>1/8/2012</a:t>
+              <a:t>20/3/2013</a:t>
             </a:fld>
             <a:endParaRPr lang="en-SG"/>
           </a:p>
@@ -2928,7 +2923,7 @@
             <a:fld id="{B0544CA6-0BFF-4F49-885A-88A3CCAE5331}" type="datetimeFigureOut">
               <a:rPr lang="en-SG" smtClean="0"/>
               <a:pPr/>
-              <a:t>1/8/2012</a:t>
+              <a:t>20/3/2013</a:t>
             </a:fld>
             <a:endParaRPr lang="en-SG"/>
           </a:p>
@@ -3138,7 +3133,7 @@
             <a:fld id="{B0544CA6-0BFF-4F49-885A-88A3CCAE5331}" type="datetimeFigureOut">
               <a:rPr lang="en-SG" smtClean="0"/>
               <a:pPr/>
-              <a:t>1/8/2012</a:t>
+              <a:t>20/3/2013</a:t>
             </a:fld>
             <a:endParaRPr lang="en-SG"/>
           </a:p>
@@ -3704,32 +3699,377 @@
           </a:p>
         </p:txBody>
       </p:sp>
-      <p:pic>
-        <p:nvPicPr>
-          <p:cNvPr id="9" name="Picture 8" descr="C:\Users\dcsdcr\AppData\Local\Microsoft\Windows\Temporary Internet Files\Content.IE5\8EW2YN38\MC900432621[1].png"/>
-          <p:cNvPicPr>
-            <a:picLocks noChangeAspect="1" noChangeArrowheads="1"/>
-          </p:cNvPicPr>
+      <p:grpSp>
+        <p:nvGrpSpPr>
+          <p:cNvPr id="8" name="Group 7"/>
+          <p:cNvGrpSpPr>
+            <a:grpSpLocks noChangeAspect="1"/>
+          </p:cNvGrpSpPr>
           <p:nvPr/>
-        </p:nvPicPr>
-        <p:blipFill>
-          <a:blip r:embed="rId4" cstate="print"/>
-          <a:srcRect/>
-          <a:stretch>
-            <a:fillRect/>
-          </a:stretch>
-        </p:blipFill>
-        <p:spPr bwMode="auto">
-          <a:xfrm flipH="1">
-            <a:off x="297213" y="368551"/>
-            <a:ext cx="711271" cy="711271"/>
+        </p:nvGrpSpPr>
+        <p:grpSpPr>
+          <a:xfrm>
+            <a:off x="432420" y="402432"/>
+            <a:ext cx="364763" cy="635048"/>
+            <a:chOff x="638861" y="309422"/>
+            <a:chExt cx="298983" cy="520531"/>
           </a:xfrm>
-          <a:prstGeom prst="rect">
-            <a:avLst/>
-          </a:prstGeom>
-          <a:noFill/>
-        </p:spPr>
-      </p:pic>
+        </p:grpSpPr>
+        <p:sp>
+          <p:nvSpPr>
+            <p:cNvPr id="10" name="Flowchart: Connector 9"/>
+            <p:cNvSpPr/>
+            <p:nvPr/>
+          </p:nvSpPr>
+          <p:spPr>
+            <a:xfrm>
+              <a:off x="678021" y="309422"/>
+              <a:ext cx="220662" cy="220662"/>
+            </a:xfrm>
+            <a:prstGeom prst="flowChartConnector">
+              <a:avLst/>
+            </a:prstGeom>
+            <a:solidFill>
+              <a:schemeClr val="bg1"/>
+            </a:solidFill>
+          </p:spPr>
+          <p:style>
+            <a:lnRef idx="2">
+              <a:schemeClr val="accent1">
+                <a:shade val="50000"/>
+              </a:schemeClr>
+            </a:lnRef>
+            <a:fillRef idx="1">
+              <a:schemeClr val="accent1"/>
+            </a:fillRef>
+            <a:effectRef idx="0">
+              <a:schemeClr val="accent1"/>
+            </a:effectRef>
+            <a:fontRef idx="minor">
+              <a:schemeClr val="lt1"/>
+            </a:fontRef>
+          </p:style>
+          <p:txBody>
+            <a:bodyPr rtlCol="0" anchor="ctr"/>
+            <a:lstStyle/>
+            <a:p>
+              <a:pPr algn="ctr"/>
+              <a:endParaRPr lang="en-SG"/>
+            </a:p>
+          </p:txBody>
+        </p:sp>
+        <p:grpSp>
+          <p:nvGrpSpPr>
+            <p:cNvPr id="11" name="Group 10"/>
+            <p:cNvGrpSpPr/>
+            <p:nvPr/>
+          </p:nvGrpSpPr>
+          <p:grpSpPr>
+            <a:xfrm>
+              <a:off x="638861" y="549600"/>
+              <a:ext cx="298983" cy="280353"/>
+              <a:chOff x="638861" y="549600"/>
+              <a:chExt cx="298983" cy="280353"/>
+            </a:xfrm>
+          </p:grpSpPr>
+          <p:sp>
+            <p:nvSpPr>
+              <p:cNvPr id="14" name="Flowchart: Delay 13"/>
+              <p:cNvSpPr/>
+              <p:nvPr/>
+            </p:nvSpPr>
+            <p:spPr>
+              <a:xfrm rot="16200000">
+                <a:off x="648176" y="540285"/>
+                <a:ext cx="280353" cy="298983"/>
+              </a:xfrm>
+              <a:prstGeom prst="flowChartDelay">
+                <a:avLst/>
+              </a:prstGeom>
+              <a:solidFill>
+                <a:schemeClr val="bg1"/>
+              </a:solidFill>
+            </p:spPr>
+            <p:style>
+              <a:lnRef idx="2">
+                <a:schemeClr val="accent1">
+                  <a:shade val="50000"/>
+                </a:schemeClr>
+              </a:lnRef>
+              <a:fillRef idx="1">
+                <a:schemeClr val="accent1"/>
+              </a:fillRef>
+              <a:effectRef idx="0">
+                <a:schemeClr val="accent1"/>
+              </a:effectRef>
+              <a:fontRef idx="minor">
+                <a:schemeClr val="lt1"/>
+              </a:fontRef>
+            </p:style>
+            <p:txBody>
+              <a:bodyPr rtlCol="0" anchor="ctr"/>
+              <a:lstStyle/>
+              <a:p>
+                <a:pPr algn="ctr"/>
+                <a:endParaRPr lang="en-SG"/>
+              </a:p>
+            </p:txBody>
+          </p:sp>
+          <p:sp>
+            <p:nvSpPr>
+              <p:cNvPr id="15" name="Freeform 14"/>
+              <p:cNvSpPr/>
+              <p:nvPr/>
+            </p:nvSpPr>
+            <p:spPr>
+              <a:xfrm>
+                <a:off x="737215" y="552954"/>
+                <a:ext cx="102393" cy="235744"/>
+              </a:xfrm>
+              <a:custGeom>
+                <a:avLst/>
+                <a:gdLst>
+                  <a:gd name="connsiteX0" fmla="*/ 47625 w 102393"/>
+                  <a:gd name="connsiteY0" fmla="*/ 0 h 235744"/>
+                  <a:gd name="connsiteX1" fmla="*/ 0 w 102393"/>
+                  <a:gd name="connsiteY1" fmla="*/ 185738 h 235744"/>
+                  <a:gd name="connsiteX2" fmla="*/ 57150 w 102393"/>
+                  <a:gd name="connsiteY2" fmla="*/ 235744 h 235744"/>
+                  <a:gd name="connsiteX3" fmla="*/ 102393 w 102393"/>
+                  <a:gd name="connsiteY3" fmla="*/ 171450 h 235744"/>
+                  <a:gd name="connsiteX4" fmla="*/ 47625 w 102393"/>
+                  <a:gd name="connsiteY4" fmla="*/ 0 h 235744"/>
+                </a:gdLst>
+                <a:ahLst/>
+                <a:cxnLst>
+                  <a:cxn ang="0">
+                    <a:pos x="connsiteX0" y="connsiteY0"/>
+                  </a:cxn>
+                  <a:cxn ang="0">
+                    <a:pos x="connsiteX1" y="connsiteY1"/>
+                  </a:cxn>
+                  <a:cxn ang="0">
+                    <a:pos x="connsiteX2" y="connsiteY2"/>
+                  </a:cxn>
+                  <a:cxn ang="0">
+                    <a:pos x="connsiteX3" y="connsiteY3"/>
+                  </a:cxn>
+                  <a:cxn ang="0">
+                    <a:pos x="connsiteX4" y="connsiteY4"/>
+                  </a:cxn>
+                </a:cxnLst>
+                <a:rect l="l" t="t" r="r" b="b"/>
+                <a:pathLst>
+                  <a:path w="102393" h="235744">
+                    <a:moveTo>
+                      <a:pt x="47625" y="0"/>
+                    </a:moveTo>
+                    <a:lnTo>
+                      <a:pt x="0" y="185738"/>
+                    </a:lnTo>
+                    <a:lnTo>
+                      <a:pt x="57150" y="235744"/>
+                    </a:lnTo>
+                    <a:lnTo>
+                      <a:pt x="102393" y="171450"/>
+                    </a:lnTo>
+                    <a:lnTo>
+                      <a:pt x="47625" y="0"/>
+                    </a:lnTo>
+                    <a:close/>
+                  </a:path>
+                </a:pathLst>
+              </a:custGeom>
+              <a:solidFill>
+                <a:schemeClr val="bg1"/>
+              </a:solidFill>
+            </p:spPr>
+            <p:style>
+              <a:lnRef idx="2">
+                <a:schemeClr val="accent1">
+                  <a:shade val="50000"/>
+                </a:schemeClr>
+              </a:lnRef>
+              <a:fillRef idx="1">
+                <a:schemeClr val="accent1"/>
+              </a:fillRef>
+              <a:effectRef idx="0">
+                <a:schemeClr val="accent1"/>
+              </a:effectRef>
+              <a:fontRef idx="minor">
+                <a:schemeClr val="lt1"/>
+              </a:fontRef>
+            </p:style>
+            <p:txBody>
+              <a:bodyPr rtlCol="0" anchor="ctr"/>
+              <a:lstStyle/>
+              <a:p>
+                <a:pPr algn="ctr"/>
+                <a:endParaRPr lang="en-SG"/>
+              </a:p>
+            </p:txBody>
+          </p:sp>
+        </p:grpSp>
+        <p:sp>
+          <p:nvSpPr>
+            <p:cNvPr id="12" name="Freeform 11"/>
+            <p:cNvSpPr/>
+            <p:nvPr/>
+          </p:nvSpPr>
+          <p:spPr>
+            <a:xfrm>
+              <a:off x="882472" y="469611"/>
+              <a:ext cx="50006" cy="19050"/>
+            </a:xfrm>
+            <a:custGeom>
+              <a:avLst/>
+              <a:gdLst>
+                <a:gd name="connsiteX0" fmla="*/ 0 w 50006"/>
+                <a:gd name="connsiteY0" fmla="*/ 0 h 19050"/>
+                <a:gd name="connsiteX1" fmla="*/ 0 w 50006"/>
+                <a:gd name="connsiteY1" fmla="*/ 0 h 19050"/>
+                <a:gd name="connsiteX2" fmla="*/ 21431 w 50006"/>
+                <a:gd name="connsiteY2" fmla="*/ 4762 h 19050"/>
+                <a:gd name="connsiteX3" fmla="*/ 28575 w 50006"/>
+                <a:gd name="connsiteY3" fmla="*/ 9525 h 19050"/>
+                <a:gd name="connsiteX4" fmla="*/ 38100 w 50006"/>
+                <a:gd name="connsiteY4" fmla="*/ 14287 h 19050"/>
+                <a:gd name="connsiteX5" fmla="*/ 50006 w 50006"/>
+                <a:gd name="connsiteY5" fmla="*/ 19050 h 19050"/>
+              </a:gdLst>
+              <a:ahLst/>
+              <a:cxnLst>
+                <a:cxn ang="0">
+                  <a:pos x="connsiteX0" y="connsiteY0"/>
+                </a:cxn>
+                <a:cxn ang="0">
+                  <a:pos x="connsiteX1" y="connsiteY1"/>
+                </a:cxn>
+                <a:cxn ang="0">
+                  <a:pos x="connsiteX2" y="connsiteY2"/>
+                </a:cxn>
+                <a:cxn ang="0">
+                  <a:pos x="connsiteX3" y="connsiteY3"/>
+                </a:cxn>
+                <a:cxn ang="0">
+                  <a:pos x="connsiteX4" y="connsiteY4"/>
+                </a:cxn>
+                <a:cxn ang="0">
+                  <a:pos x="connsiteX5" y="connsiteY5"/>
+                </a:cxn>
+              </a:cxnLst>
+              <a:rect l="l" t="t" r="r" b="b"/>
+              <a:pathLst>
+                <a:path w="50006" h="19050">
+                  <a:moveTo>
+                    <a:pt x="0" y="0"/>
+                  </a:moveTo>
+                  <a:lnTo>
+                    <a:pt x="0" y="0"/>
+                  </a:lnTo>
+                  <a:cubicBezTo>
+                    <a:pt x="7144" y="1587"/>
+                    <a:pt x="14489" y="2448"/>
+                    <a:pt x="21431" y="4762"/>
+                  </a:cubicBezTo>
+                  <a:cubicBezTo>
+                    <a:pt x="24146" y="5667"/>
+                    <a:pt x="26090" y="8105"/>
+                    <a:pt x="28575" y="9525"/>
+                  </a:cubicBezTo>
+                  <a:cubicBezTo>
+                    <a:pt x="31657" y="11286"/>
+                    <a:pt x="34837" y="12889"/>
+                    <a:pt x="38100" y="14287"/>
+                  </a:cubicBezTo>
+                  <a:cubicBezTo>
+                    <a:pt x="58672" y="23103"/>
+                    <a:pt x="34691" y="11391"/>
+                    <a:pt x="50006" y="19050"/>
+                  </a:cubicBezTo>
+                </a:path>
+              </a:pathLst>
+            </a:custGeom>
+            <a:solidFill>
+              <a:schemeClr val="bg1"/>
+            </a:solidFill>
+          </p:spPr>
+          <p:style>
+            <a:lnRef idx="2">
+              <a:schemeClr val="accent1">
+                <a:shade val="50000"/>
+              </a:schemeClr>
+            </a:lnRef>
+            <a:fillRef idx="1">
+              <a:schemeClr val="accent1"/>
+            </a:fillRef>
+            <a:effectRef idx="0">
+              <a:schemeClr val="accent1"/>
+            </a:effectRef>
+            <a:fontRef idx="minor">
+              <a:schemeClr val="lt1"/>
+            </a:fontRef>
+          </p:style>
+          <p:txBody>
+            <a:bodyPr rtlCol="0" anchor="ctr"/>
+            <a:lstStyle/>
+            <a:p>
+              <a:pPr algn="ctr"/>
+              <a:endParaRPr lang="en-SG"/>
+            </a:p>
+          </p:txBody>
+        </p:sp>
+        <p:sp>
+          <p:nvSpPr>
+            <p:cNvPr id="13" name="Flowchart: Connector 12"/>
+            <p:cNvSpPr/>
+            <p:nvPr/>
+          </p:nvSpPr>
+          <p:spPr>
+            <a:xfrm>
+              <a:off x="800257" y="354516"/>
+              <a:ext cx="45719" cy="45719"/>
+            </a:xfrm>
+            <a:prstGeom prst="flowChartConnector">
+              <a:avLst/>
+            </a:prstGeom>
+            <a:solidFill>
+              <a:schemeClr val="bg1"/>
+            </a:solidFill>
+            <a:ln>
+              <a:solidFill>
+                <a:schemeClr val="accent1">
+                  <a:lumMod val="75000"/>
+                </a:schemeClr>
+              </a:solidFill>
+            </a:ln>
+          </p:spPr>
+          <p:style>
+            <a:lnRef idx="2">
+              <a:schemeClr val="accent1">
+                <a:shade val="50000"/>
+              </a:schemeClr>
+            </a:lnRef>
+            <a:fillRef idx="1">
+              <a:schemeClr val="accent1"/>
+            </a:fillRef>
+            <a:effectRef idx="0">
+              <a:schemeClr val="accent1"/>
+            </a:effectRef>
+            <a:fontRef idx="minor">
+              <a:schemeClr val="lt1"/>
+            </a:fontRef>
+          </p:style>
+          <p:txBody>
+            <a:bodyPr rtlCol="0" anchor="ctr"/>
+            <a:lstStyle/>
+            <a:p>
+              <a:pPr algn="ctr"/>
+              <a:endParaRPr lang="en-SG"/>
+            </a:p>
+          </p:txBody>
+        </p:sp>
+      </p:grpSp>
     </p:spTree>
   </p:cSld>
   <p:clrMapOvr>
@@ -3743,6 +4083,12 @@
     </p:tnLst>
   </p:timing>
 </p:sld>
+</file>
+
+<file path=ppt/tags/tag1.xml><?xml version="1.0" encoding="utf-8"?>
+<p:tagLst xmlns:a="http://schemas.openxmlformats.org/drawingml/2006/main" xmlns:r="http://schemas.openxmlformats.org/officeDocument/2006/relationships" xmlns:p="http://schemas.openxmlformats.org/presentationml/2006/main">
+  <p:tag name="ARTICULATE_PROJECT_OPEN" val="0"/>
+</p:tagLst>
 </file>
 
 <file path=ppt/theme/theme1.xml><?xml version="1.0" encoding="utf-8"?>

--- a/doc/mockups/features-screenshots/feature3-createEval.pptx
+++ b/doc/mockups/features-screenshots/feature3-createEval.pptx
@@ -201,7 +201,7 @@
           <a:p>
             <a:fld id="{EAF9FAEA-64EF-4413-A2DA-12DBF9C0B08C}" type="datetimeFigureOut">
               <a:rPr lang="en-SG" smtClean="0"/>
-              <a:t>20/3/2013</a:t>
+              <a:t>31/7/2013</a:t>
             </a:fld>
             <a:endParaRPr lang="en-SG"/>
           </a:p>
@@ -734,7 +734,7 @@
             <a:fld id="{B0544CA6-0BFF-4F49-885A-88A3CCAE5331}" type="datetimeFigureOut">
               <a:rPr lang="en-SG" smtClean="0"/>
               <a:pPr/>
-              <a:t>20/3/2013</a:t>
+              <a:t>31/7/2013</a:t>
             </a:fld>
             <a:endParaRPr lang="en-SG"/>
           </a:p>
@@ -901,7 +901,7 @@
             <a:fld id="{B0544CA6-0BFF-4F49-885A-88A3CCAE5331}" type="datetimeFigureOut">
               <a:rPr lang="en-SG" smtClean="0"/>
               <a:pPr/>
-              <a:t>20/3/2013</a:t>
+              <a:t>31/7/2013</a:t>
             </a:fld>
             <a:endParaRPr lang="en-SG"/>
           </a:p>
@@ -1078,7 +1078,7 @@
             <a:fld id="{B0544CA6-0BFF-4F49-885A-88A3CCAE5331}" type="datetimeFigureOut">
               <a:rPr lang="en-SG" smtClean="0"/>
               <a:pPr/>
-              <a:t>20/3/2013</a:t>
+              <a:t>31/7/2013</a:t>
             </a:fld>
             <a:endParaRPr lang="en-SG"/>
           </a:p>
@@ -1245,7 +1245,7 @@
             <a:fld id="{B0544CA6-0BFF-4F49-885A-88A3CCAE5331}" type="datetimeFigureOut">
               <a:rPr lang="en-SG" smtClean="0"/>
               <a:pPr/>
-              <a:t>20/3/2013</a:t>
+              <a:t>31/7/2013</a:t>
             </a:fld>
             <a:endParaRPr lang="en-SG"/>
           </a:p>
@@ -1488,7 +1488,7 @@
             <a:fld id="{B0544CA6-0BFF-4F49-885A-88A3CCAE5331}" type="datetimeFigureOut">
               <a:rPr lang="en-SG" smtClean="0"/>
               <a:pPr/>
-              <a:t>20/3/2013</a:t>
+              <a:t>31/7/2013</a:t>
             </a:fld>
             <a:endParaRPr lang="en-SG"/>
           </a:p>
@@ -1773,7 +1773,7 @@
             <a:fld id="{B0544CA6-0BFF-4F49-885A-88A3CCAE5331}" type="datetimeFigureOut">
               <a:rPr lang="en-SG" smtClean="0"/>
               <a:pPr/>
-              <a:t>20/3/2013</a:t>
+              <a:t>31/7/2013</a:t>
             </a:fld>
             <a:endParaRPr lang="en-SG"/>
           </a:p>
@@ -2192,7 +2192,7 @@
             <a:fld id="{B0544CA6-0BFF-4F49-885A-88A3CCAE5331}" type="datetimeFigureOut">
               <a:rPr lang="en-SG" smtClean="0"/>
               <a:pPr/>
-              <a:t>20/3/2013</a:t>
+              <a:t>31/7/2013</a:t>
             </a:fld>
             <a:endParaRPr lang="en-SG"/>
           </a:p>
@@ -2307,7 +2307,7 @@
             <a:fld id="{B0544CA6-0BFF-4F49-885A-88A3CCAE5331}" type="datetimeFigureOut">
               <a:rPr lang="en-SG" smtClean="0"/>
               <a:pPr/>
-              <a:t>20/3/2013</a:t>
+              <a:t>31/7/2013</a:t>
             </a:fld>
             <a:endParaRPr lang="en-SG"/>
           </a:p>
@@ -2399,7 +2399,7 @@
             <a:fld id="{B0544CA6-0BFF-4F49-885A-88A3CCAE5331}" type="datetimeFigureOut">
               <a:rPr lang="en-SG" smtClean="0"/>
               <a:pPr/>
-              <a:t>20/3/2013</a:t>
+              <a:t>31/7/2013</a:t>
             </a:fld>
             <a:endParaRPr lang="en-SG"/>
           </a:p>
@@ -2673,7 +2673,7 @@
             <a:fld id="{B0544CA6-0BFF-4F49-885A-88A3CCAE5331}" type="datetimeFigureOut">
               <a:rPr lang="en-SG" smtClean="0"/>
               <a:pPr/>
-              <a:t>20/3/2013</a:t>
+              <a:t>31/7/2013</a:t>
             </a:fld>
             <a:endParaRPr lang="en-SG"/>
           </a:p>
@@ -2923,7 +2923,7 @@
             <a:fld id="{B0544CA6-0BFF-4F49-885A-88A3CCAE5331}" type="datetimeFigureOut">
               <a:rPr lang="en-SG" smtClean="0"/>
               <a:pPr/>
-              <a:t>20/3/2013</a:t>
+              <a:t>31/7/2013</a:t>
             </a:fld>
             <a:endParaRPr lang="en-SG"/>
           </a:p>
@@ -3133,7 +3133,7 @@
             <a:fld id="{B0544CA6-0BFF-4F49-885A-88A3CCAE5331}" type="datetimeFigureOut">
               <a:rPr lang="en-SG" smtClean="0"/>
               <a:pPr/>
-              <a:t>20/3/2013</a:t>
+              <a:t>31/7/2013</a:t>
             </a:fld>
             <a:endParaRPr lang="en-SG"/>
           </a:p>
@@ -3596,7 +3596,11 @@
           <a:p>
             <a:r>
               <a:rPr lang="en-US" sz="1200" b="1" dirty="0" smtClean="0"/>
-              <a:t>3. Create a new Evaluation</a:t>
+              <a:t>3. Create a new </a:t>
+            </a:r>
+            <a:r>
+              <a:rPr lang="en-US" sz="1200" b="1" dirty="0" smtClean="0"/>
+              <a:t>session</a:t>
             </a:r>
             <a:endParaRPr lang="en-SG" sz="1200" b="1" dirty="0"/>
           </a:p>
